--- a/figures/figures.pptx
+++ b/figures/figures.pptx
@@ -6,6 +6,7 @@
   </p:sldMasterIdLst>
   <p:sldIdLst>
     <p:sldId id="256" r:id="rId2"/>
+    <p:sldId id="257" r:id="rId3"/>
   </p:sldIdLst>
   <p:sldSz cx="12192000" cy="6858000"/>
   <p:notesSz cx="6858000" cy="9144000"/>
@@ -259,7 +260,7 @@
           <a:p>
             <a:fld id="{AEF5E76A-F77F-4961-B422-953BD1111040}" type="datetimeFigureOut">
               <a:rPr lang="en-US" smtClean="0"/>
-              <a:t>5/4/2020</a:t>
+              <a:t>5/5/2020</a:t>
             </a:fld>
             <a:endParaRPr lang="en-US"/>
           </a:p>
@@ -457,7 +458,7 @@
           <a:p>
             <a:fld id="{AEF5E76A-F77F-4961-B422-953BD1111040}" type="datetimeFigureOut">
               <a:rPr lang="en-US" smtClean="0"/>
-              <a:t>5/4/2020</a:t>
+              <a:t>5/5/2020</a:t>
             </a:fld>
             <a:endParaRPr lang="en-US"/>
           </a:p>
@@ -665,7 +666,7 @@
           <a:p>
             <a:fld id="{AEF5E76A-F77F-4961-B422-953BD1111040}" type="datetimeFigureOut">
               <a:rPr lang="en-US" smtClean="0"/>
-              <a:t>5/4/2020</a:t>
+              <a:t>5/5/2020</a:t>
             </a:fld>
             <a:endParaRPr lang="en-US"/>
           </a:p>
@@ -863,7 +864,7 @@
           <a:p>
             <a:fld id="{AEF5E76A-F77F-4961-B422-953BD1111040}" type="datetimeFigureOut">
               <a:rPr lang="en-US" smtClean="0"/>
-              <a:t>5/4/2020</a:t>
+              <a:t>5/5/2020</a:t>
             </a:fld>
             <a:endParaRPr lang="en-US"/>
           </a:p>
@@ -1138,7 +1139,7 @@
           <a:p>
             <a:fld id="{AEF5E76A-F77F-4961-B422-953BD1111040}" type="datetimeFigureOut">
               <a:rPr lang="en-US" smtClean="0"/>
-              <a:t>5/4/2020</a:t>
+              <a:t>5/5/2020</a:t>
             </a:fld>
             <a:endParaRPr lang="en-US"/>
           </a:p>
@@ -1403,7 +1404,7 @@
           <a:p>
             <a:fld id="{AEF5E76A-F77F-4961-B422-953BD1111040}" type="datetimeFigureOut">
               <a:rPr lang="en-US" smtClean="0"/>
-              <a:t>5/4/2020</a:t>
+              <a:t>5/5/2020</a:t>
             </a:fld>
             <a:endParaRPr lang="en-US"/>
           </a:p>
@@ -1815,7 +1816,7 @@
           <a:p>
             <a:fld id="{AEF5E76A-F77F-4961-B422-953BD1111040}" type="datetimeFigureOut">
               <a:rPr lang="en-US" smtClean="0"/>
-              <a:t>5/4/2020</a:t>
+              <a:t>5/5/2020</a:t>
             </a:fld>
             <a:endParaRPr lang="en-US"/>
           </a:p>
@@ -1956,7 +1957,7 @@
           <a:p>
             <a:fld id="{AEF5E76A-F77F-4961-B422-953BD1111040}" type="datetimeFigureOut">
               <a:rPr lang="en-US" smtClean="0"/>
-              <a:t>5/4/2020</a:t>
+              <a:t>5/5/2020</a:t>
             </a:fld>
             <a:endParaRPr lang="en-US"/>
           </a:p>
@@ -2069,7 +2070,7 @@
           <a:p>
             <a:fld id="{AEF5E76A-F77F-4961-B422-953BD1111040}" type="datetimeFigureOut">
               <a:rPr lang="en-US" smtClean="0"/>
-              <a:t>5/4/2020</a:t>
+              <a:t>5/5/2020</a:t>
             </a:fld>
             <a:endParaRPr lang="en-US"/>
           </a:p>
@@ -2380,7 +2381,7 @@
           <a:p>
             <a:fld id="{AEF5E76A-F77F-4961-B422-953BD1111040}" type="datetimeFigureOut">
               <a:rPr lang="en-US" smtClean="0"/>
-              <a:t>5/4/2020</a:t>
+              <a:t>5/5/2020</a:t>
             </a:fld>
             <a:endParaRPr lang="en-US"/>
           </a:p>
@@ -2668,7 +2669,7 @@
           <a:p>
             <a:fld id="{AEF5E76A-F77F-4961-B422-953BD1111040}" type="datetimeFigureOut">
               <a:rPr lang="en-US" smtClean="0"/>
-              <a:t>5/4/2020</a:t>
+              <a:t>5/5/2020</a:t>
             </a:fld>
             <a:endParaRPr lang="en-US"/>
           </a:p>
@@ -2909,7 +2910,7 @@
           <a:p>
             <a:fld id="{AEF5E76A-F77F-4961-B422-953BD1111040}" type="datetimeFigureOut">
               <a:rPr lang="en-US" smtClean="0"/>
-              <a:t>5/4/2020</a:t>
+              <a:t>5/5/2020</a:t>
             </a:fld>
             <a:endParaRPr lang="en-US"/>
           </a:p>
@@ -3636,6 +3637,405 @@
 </p:sld>
 </file>
 
+<file path=ppt/slides/slide2.xml><?xml version="1.0" encoding="utf-8"?>
+<p:sld xmlns:a="http://schemas.openxmlformats.org/drawingml/2006/main" xmlns:r="http://schemas.openxmlformats.org/officeDocument/2006/relationships" xmlns:p="http://schemas.openxmlformats.org/presentationml/2006/main">
+  <p:cSld>
+    <p:spTree>
+      <p:nvGrpSpPr>
+        <p:cNvPr id="1" name=""/>
+        <p:cNvGrpSpPr/>
+        <p:nvPr/>
+      </p:nvGrpSpPr>
+      <p:grpSpPr>
+        <a:xfrm>
+          <a:off x="0" y="0"/>
+          <a:ext cx="0" cy="0"/>
+          <a:chOff x="0" y="0"/>
+          <a:chExt cx="0" cy="0"/>
+        </a:xfrm>
+      </p:grpSpPr>
+      <p:sp>
+        <p:nvSpPr>
+          <p:cNvPr id="2" name="Title 1">
+            <a:extLst>
+              <a:ext uri="{FF2B5EF4-FFF2-40B4-BE49-F238E27FC236}">
+                <a16:creationId xmlns:a16="http://schemas.microsoft.com/office/drawing/2014/main" id="{682461D4-6598-412A-A7A2-8471BB2AEE0D}"/>
+              </a:ext>
+            </a:extLst>
+          </p:cNvPr>
+          <p:cNvSpPr>
+            <a:spLocks noGrp="1"/>
+          </p:cNvSpPr>
+          <p:nvPr>
+            <p:ph type="title"/>
+          </p:nvPr>
+        </p:nvSpPr>
+        <p:spPr/>
+        <p:txBody>
+          <a:bodyPr/>
+          <a:lstStyle/>
+          <a:p>
+            <a:endParaRPr lang="en-US"/>
+          </a:p>
+        </p:txBody>
+      </p:sp>
+      <p:pic>
+        <p:nvPicPr>
+          <p:cNvPr id="4" name="Picture 3">
+            <a:extLst>
+              <a:ext uri="{FF2B5EF4-FFF2-40B4-BE49-F238E27FC236}">
+                <a16:creationId xmlns:a16="http://schemas.microsoft.com/office/drawing/2014/main" id="{76232846-371F-4A9F-A94A-EC8DB29C75E8}"/>
+              </a:ext>
+            </a:extLst>
+          </p:cNvPr>
+          <p:cNvPicPr>
+            <a:picLocks noChangeAspect="1"/>
+          </p:cNvPicPr>
+          <p:nvPr/>
+        </p:nvPicPr>
+        <p:blipFill>
+          <a:blip r:embed="rId2"/>
+          <a:stretch>
+            <a:fillRect/>
+          </a:stretch>
+        </p:blipFill>
+        <p:spPr>
+          <a:xfrm>
+            <a:off x="1938972" y="4308157"/>
+            <a:ext cx="6810375" cy="2143125"/>
+          </a:xfrm>
+          <a:prstGeom prst="rect">
+            <a:avLst/>
+          </a:prstGeom>
+        </p:spPr>
+      </p:pic>
+      <p:pic>
+        <p:nvPicPr>
+          <p:cNvPr id="5" name="Picture 4">
+            <a:extLst>
+              <a:ext uri="{FF2B5EF4-FFF2-40B4-BE49-F238E27FC236}">
+                <a16:creationId xmlns:a16="http://schemas.microsoft.com/office/drawing/2014/main" id="{5B5EBAA6-3EA6-4007-A63A-8AB8254F8F9B}"/>
+              </a:ext>
+            </a:extLst>
+          </p:cNvPr>
+          <p:cNvPicPr>
+            <a:picLocks noChangeAspect="1"/>
+          </p:cNvPicPr>
+          <p:nvPr/>
+        </p:nvPicPr>
+        <p:blipFill>
+          <a:blip r:embed="rId3"/>
+          <a:stretch>
+            <a:fillRect/>
+          </a:stretch>
+        </p:blipFill>
+        <p:spPr>
+          <a:xfrm>
+            <a:off x="2269490" y="2770981"/>
+            <a:ext cx="1778217" cy="1316037"/>
+          </a:xfrm>
+          <a:prstGeom prst="rect">
+            <a:avLst/>
+          </a:prstGeom>
+        </p:spPr>
+      </p:pic>
+      <p:pic>
+        <p:nvPicPr>
+          <p:cNvPr id="6" name="Picture 5">
+            <a:extLst>
+              <a:ext uri="{FF2B5EF4-FFF2-40B4-BE49-F238E27FC236}">
+                <a16:creationId xmlns:a16="http://schemas.microsoft.com/office/drawing/2014/main" id="{7E372C58-70E6-4CD6-9B48-1EB512A867F5}"/>
+              </a:ext>
+            </a:extLst>
+          </p:cNvPr>
+          <p:cNvPicPr>
+            <a:picLocks noChangeAspect="1"/>
+          </p:cNvPicPr>
+          <p:nvPr/>
+        </p:nvPicPr>
+        <p:blipFill>
+          <a:blip r:embed="rId4"/>
+          <a:stretch>
+            <a:fillRect/>
+          </a:stretch>
+        </p:blipFill>
+        <p:spPr>
+          <a:xfrm>
+            <a:off x="4572631" y="2770979"/>
+            <a:ext cx="1803167" cy="1316037"/>
+          </a:xfrm>
+          <a:prstGeom prst="rect">
+            <a:avLst/>
+          </a:prstGeom>
+        </p:spPr>
+      </p:pic>
+      <p:pic>
+        <p:nvPicPr>
+          <p:cNvPr id="7" name="Picture 6">
+            <a:extLst>
+              <a:ext uri="{FF2B5EF4-FFF2-40B4-BE49-F238E27FC236}">
+                <a16:creationId xmlns:a16="http://schemas.microsoft.com/office/drawing/2014/main" id="{5A16330E-3133-43C6-8B22-0EAE135974A8}"/>
+              </a:ext>
+            </a:extLst>
+          </p:cNvPr>
+          <p:cNvPicPr>
+            <a:picLocks noChangeAspect="1"/>
+          </p:cNvPicPr>
+          <p:nvPr/>
+        </p:nvPicPr>
+        <p:blipFill>
+          <a:blip r:embed="rId5"/>
+          <a:stretch>
+            <a:fillRect/>
+          </a:stretch>
+        </p:blipFill>
+        <p:spPr>
+          <a:xfrm>
+            <a:off x="6938823" y="2770980"/>
+            <a:ext cx="1810524" cy="1316037"/>
+          </a:xfrm>
+          <a:prstGeom prst="rect">
+            <a:avLst/>
+          </a:prstGeom>
+        </p:spPr>
+      </p:pic>
+      <p:sp>
+        <p:nvSpPr>
+          <p:cNvPr id="8" name="TextBox 7">
+            <a:extLst>
+              <a:ext uri="{FF2B5EF4-FFF2-40B4-BE49-F238E27FC236}">
+                <a16:creationId xmlns:a16="http://schemas.microsoft.com/office/drawing/2014/main" id="{663A2777-83C2-458C-B1BA-3791019A9E70}"/>
+              </a:ext>
+            </a:extLst>
+          </p:cNvPr>
+          <p:cNvSpPr txBox="1"/>
+          <p:nvPr/>
+        </p:nvSpPr>
+        <p:spPr>
+          <a:xfrm>
+            <a:off x="2734734" y="4036491"/>
+            <a:ext cx="1056640" cy="369332"/>
+          </a:xfrm>
+          <a:prstGeom prst="rect">
+            <a:avLst/>
+          </a:prstGeom>
+          <a:noFill/>
+        </p:spPr>
+        <p:txBody>
+          <a:bodyPr wrap="square" rtlCol="0">
+            <a:spAutoFit/>
+          </a:bodyPr>
+          <a:lstStyle/>
+          <a:p>
+            <a:pPr algn="ctr"/>
+            <a:r>
+              <a:rPr lang="en-US" dirty="0"/>
+              <a:t>t = 40</a:t>
+            </a:r>
+          </a:p>
+        </p:txBody>
+      </p:sp>
+      <p:sp>
+        <p:nvSpPr>
+          <p:cNvPr id="9" name="TextBox 8">
+            <a:extLst>
+              <a:ext uri="{FF2B5EF4-FFF2-40B4-BE49-F238E27FC236}">
+                <a16:creationId xmlns:a16="http://schemas.microsoft.com/office/drawing/2014/main" id="{E057F71E-1504-4651-ADD5-585D86A337A1}"/>
+              </a:ext>
+            </a:extLst>
+          </p:cNvPr>
+          <p:cNvSpPr txBox="1"/>
+          <p:nvPr/>
+        </p:nvSpPr>
+        <p:spPr>
+          <a:xfrm>
+            <a:off x="4907020" y="4054750"/>
+            <a:ext cx="1056640" cy="369332"/>
+          </a:xfrm>
+          <a:prstGeom prst="rect">
+            <a:avLst/>
+          </a:prstGeom>
+          <a:noFill/>
+        </p:spPr>
+        <p:txBody>
+          <a:bodyPr wrap="square" rtlCol="0">
+            <a:spAutoFit/>
+          </a:bodyPr>
+          <a:lstStyle/>
+          <a:p>
+            <a:pPr algn="ctr"/>
+            <a:r>
+              <a:rPr lang="en-US" dirty="0"/>
+              <a:t>t = 45</a:t>
+            </a:r>
+          </a:p>
+        </p:txBody>
+      </p:sp>
+      <p:sp>
+        <p:nvSpPr>
+          <p:cNvPr id="10" name="TextBox 9">
+            <a:extLst>
+              <a:ext uri="{FF2B5EF4-FFF2-40B4-BE49-F238E27FC236}">
+                <a16:creationId xmlns:a16="http://schemas.microsoft.com/office/drawing/2014/main" id="{2AF43891-6313-47FF-9E33-A58B54880F0A}"/>
+              </a:ext>
+            </a:extLst>
+          </p:cNvPr>
+          <p:cNvSpPr txBox="1"/>
+          <p:nvPr/>
+        </p:nvSpPr>
+        <p:spPr>
+          <a:xfrm>
+            <a:off x="7426962" y="4054750"/>
+            <a:ext cx="1056640" cy="369332"/>
+          </a:xfrm>
+          <a:prstGeom prst="rect">
+            <a:avLst/>
+          </a:prstGeom>
+          <a:noFill/>
+        </p:spPr>
+        <p:txBody>
+          <a:bodyPr wrap="square" rtlCol="0">
+            <a:spAutoFit/>
+          </a:bodyPr>
+          <a:lstStyle/>
+          <a:p>
+            <a:pPr algn="ctr"/>
+            <a:r>
+              <a:rPr lang="en-US" dirty="0"/>
+              <a:t>t = 50</a:t>
+            </a:r>
+          </a:p>
+        </p:txBody>
+      </p:sp>
+      <p:sp>
+        <p:nvSpPr>
+          <p:cNvPr id="11" name="Arrow: Right 10">
+            <a:extLst>
+              <a:ext uri="{FF2B5EF4-FFF2-40B4-BE49-F238E27FC236}">
+                <a16:creationId xmlns:a16="http://schemas.microsoft.com/office/drawing/2014/main" id="{03FE82E4-6289-485A-9309-D1FE5429C31B}"/>
+              </a:ext>
+            </a:extLst>
+          </p:cNvPr>
+          <p:cNvSpPr/>
+          <p:nvPr/>
+        </p:nvSpPr>
+        <p:spPr>
+          <a:xfrm>
+            <a:off x="4148857" y="3401215"/>
+            <a:ext cx="333375" cy="257178"/>
+          </a:xfrm>
+          <a:prstGeom prst="rightArrow">
+            <a:avLst/>
+          </a:prstGeom>
+          <a:solidFill>
+            <a:schemeClr val="bg1">
+              <a:lumMod val="75000"/>
+            </a:schemeClr>
+          </a:solidFill>
+          <a:ln>
+            <a:solidFill>
+              <a:schemeClr val="bg1">
+                <a:lumMod val="85000"/>
+              </a:schemeClr>
+            </a:solidFill>
+          </a:ln>
+        </p:spPr>
+        <p:style>
+          <a:lnRef idx="2">
+            <a:schemeClr val="accent1">
+              <a:shade val="50000"/>
+            </a:schemeClr>
+          </a:lnRef>
+          <a:fillRef idx="1">
+            <a:schemeClr val="accent1"/>
+          </a:fillRef>
+          <a:effectRef idx="0">
+            <a:schemeClr val="accent1"/>
+          </a:effectRef>
+          <a:fontRef idx="minor">
+            <a:schemeClr val="lt1"/>
+          </a:fontRef>
+        </p:style>
+        <p:txBody>
+          <a:bodyPr rtlCol="0" anchor="ctr"/>
+          <a:lstStyle/>
+          <a:p>
+            <a:pPr algn="ctr"/>
+            <a:endParaRPr lang="en-US"/>
+          </a:p>
+        </p:txBody>
+      </p:sp>
+      <p:sp>
+        <p:nvSpPr>
+          <p:cNvPr id="12" name="Arrow: Right 11">
+            <a:extLst>
+              <a:ext uri="{FF2B5EF4-FFF2-40B4-BE49-F238E27FC236}">
+                <a16:creationId xmlns:a16="http://schemas.microsoft.com/office/drawing/2014/main" id="{04BFB46C-2E9C-4895-940C-1B862D30CF77}"/>
+              </a:ext>
+            </a:extLst>
+          </p:cNvPr>
+          <p:cNvSpPr/>
+          <p:nvPr/>
+        </p:nvSpPr>
+        <p:spPr>
+          <a:xfrm>
+            <a:off x="6509673" y="3401215"/>
+            <a:ext cx="333375" cy="257178"/>
+          </a:xfrm>
+          <a:prstGeom prst="rightArrow">
+            <a:avLst/>
+          </a:prstGeom>
+          <a:solidFill>
+            <a:schemeClr val="bg1">
+              <a:lumMod val="75000"/>
+            </a:schemeClr>
+          </a:solidFill>
+          <a:ln>
+            <a:solidFill>
+              <a:schemeClr val="bg1">
+                <a:lumMod val="85000"/>
+              </a:schemeClr>
+            </a:solidFill>
+          </a:ln>
+        </p:spPr>
+        <p:style>
+          <a:lnRef idx="2">
+            <a:schemeClr val="accent1">
+              <a:shade val="50000"/>
+            </a:schemeClr>
+          </a:lnRef>
+          <a:fillRef idx="1">
+            <a:schemeClr val="accent1"/>
+          </a:fillRef>
+          <a:effectRef idx="0">
+            <a:schemeClr val="accent1"/>
+          </a:effectRef>
+          <a:fontRef idx="minor">
+            <a:schemeClr val="lt1"/>
+          </a:fontRef>
+        </p:style>
+        <p:txBody>
+          <a:bodyPr rtlCol="0" anchor="ctr"/>
+          <a:lstStyle/>
+          <a:p>
+            <a:pPr algn="ctr"/>
+            <a:endParaRPr lang="en-US"/>
+          </a:p>
+        </p:txBody>
+      </p:sp>
+    </p:spTree>
+    <p:extLst>
+      <p:ext uri="{BB962C8B-B14F-4D97-AF65-F5344CB8AC3E}">
+        <p14:creationId xmlns:p14="http://schemas.microsoft.com/office/powerpoint/2010/main" val="401653401"/>
+      </p:ext>
+    </p:extLst>
+  </p:cSld>
+  <p:clrMapOvr>
+    <a:masterClrMapping/>
+  </p:clrMapOvr>
+</p:sld>
+</file>
+
 <file path=ppt/theme/theme1.xml><?xml version="1.0" encoding="utf-8"?>
 <a:theme xmlns:a="http://schemas.openxmlformats.org/drawingml/2006/main" name="Office Theme">
   <a:themeElements>
